--- a/ppt 16-9/1490.皆脱落.pptx
+++ b/ppt 16-9/1490.皆脱落.pptx
@@ -129,7 +129,7 @@
           <p:cNvPr id="2" name="标题 1">
             <a:extLst>
               <a:ext uri="{FF2B5EF4-FFF2-40B4-BE49-F238E27FC236}">
-                <a16:creationId xmlns:a16="http://schemas.microsoft.com/office/drawing/2014/main" id="{11366805-FDAA-B69C-B033-50C7FBD34B40}"/>
+                <a16:creationId xmlns:a16="http://schemas.microsoft.com/office/drawing/2014/main" id="{8FFBD912-032B-9D94-61F7-5A01A8AD1380}"/>
               </a:ext>
             </a:extLst>
           </p:cNvPr>
@@ -166,7 +166,7 @@
           <p:cNvPr id="3" name="副标题 2">
             <a:extLst>
               <a:ext uri="{FF2B5EF4-FFF2-40B4-BE49-F238E27FC236}">
-                <a16:creationId xmlns:a16="http://schemas.microsoft.com/office/drawing/2014/main" id="{2F63330B-C2B3-355A-1636-2CB83C5D41BF}"/>
+                <a16:creationId xmlns:a16="http://schemas.microsoft.com/office/drawing/2014/main" id="{6D0DF35D-7253-0FF9-D294-C8FFC13374CC}"/>
               </a:ext>
             </a:extLst>
           </p:cNvPr>
@@ -236,7 +236,7 @@
           <p:cNvPr id="4" name="日期占位符 3">
             <a:extLst>
               <a:ext uri="{FF2B5EF4-FFF2-40B4-BE49-F238E27FC236}">
-                <a16:creationId xmlns:a16="http://schemas.microsoft.com/office/drawing/2014/main" id="{4EC91236-82C1-8678-75EC-2226246187F4}"/>
+                <a16:creationId xmlns:a16="http://schemas.microsoft.com/office/drawing/2014/main" id="{9390EB3D-8370-99A5-2207-5BA76A7D5DE6}"/>
               </a:ext>
             </a:extLst>
           </p:cNvPr>
@@ -252,7 +252,7 @@
           <a:bodyPr/>
           <a:lstStyle/>
           <a:p>
-            <a:fld id="{5005193E-BFA3-4487-AC99-D70062B0917B}" type="datetimeFigureOut">
+            <a:fld id="{95BEDFCA-9F12-4D22-8110-FCEF89AA90A7}" type="datetimeFigureOut">
               <a:rPr lang="zh-CN" altLang="en-US" smtClean="0"/>
               <a:t>2024/3/10</a:t>
             </a:fld>
@@ -265,7 +265,7 @@
           <p:cNvPr id="5" name="页脚占位符 4">
             <a:extLst>
               <a:ext uri="{FF2B5EF4-FFF2-40B4-BE49-F238E27FC236}">
-                <a16:creationId xmlns:a16="http://schemas.microsoft.com/office/drawing/2014/main" id="{AF251644-936E-321A-216A-14F324AEFB24}"/>
+                <a16:creationId xmlns:a16="http://schemas.microsoft.com/office/drawing/2014/main" id="{8538A949-0E51-32C3-A31A-1D8C38055865}"/>
               </a:ext>
             </a:extLst>
           </p:cNvPr>
@@ -290,7 +290,7 @@
           <p:cNvPr id="6" name="灯片编号占位符 5">
             <a:extLst>
               <a:ext uri="{FF2B5EF4-FFF2-40B4-BE49-F238E27FC236}">
-                <a16:creationId xmlns:a16="http://schemas.microsoft.com/office/drawing/2014/main" id="{B639C93B-BDF2-2D2E-B791-9AA0C2D42307}"/>
+                <a16:creationId xmlns:a16="http://schemas.microsoft.com/office/drawing/2014/main" id="{40B63093-175E-2ADB-7E09-088BECF94BE6}"/>
               </a:ext>
             </a:extLst>
           </p:cNvPr>
@@ -306,7 +306,7 @@
           <a:bodyPr/>
           <a:lstStyle/>
           <a:p>
-            <a:fld id="{BF308DAD-0590-4A8B-A08A-3BE40F29841B}" type="slidenum">
+            <a:fld id="{01940836-0103-4AC5-AB0A-23044BD0C441}" type="slidenum">
               <a:rPr lang="zh-CN" altLang="en-US" smtClean="0"/>
               <a:t>‹#›</a:t>
             </a:fld>
@@ -317,7 +317,7 @@
     </p:spTree>
     <p:extLst>
       <p:ext uri="{BB962C8B-B14F-4D97-AF65-F5344CB8AC3E}">
-        <p14:creationId xmlns:p14="http://schemas.microsoft.com/office/powerpoint/2010/main" val="3498377505"/>
+        <p14:creationId xmlns:p14="http://schemas.microsoft.com/office/powerpoint/2010/main" val="4250951641"/>
       </p:ext>
     </p:extLst>
   </p:cSld>
@@ -349,7 +349,7 @@
           <p:cNvPr id="2" name="标题 1">
             <a:extLst>
               <a:ext uri="{FF2B5EF4-FFF2-40B4-BE49-F238E27FC236}">
-                <a16:creationId xmlns:a16="http://schemas.microsoft.com/office/drawing/2014/main" id="{F9BF1B7C-6293-673D-0867-129CA02152CE}"/>
+                <a16:creationId xmlns:a16="http://schemas.microsoft.com/office/drawing/2014/main" id="{7459A26B-B19F-3EF7-6949-7B06A18E7CFE}"/>
               </a:ext>
             </a:extLst>
           </p:cNvPr>
@@ -377,7 +377,7 @@
           <p:cNvPr id="3" name="竖排文字占位符 2">
             <a:extLst>
               <a:ext uri="{FF2B5EF4-FFF2-40B4-BE49-F238E27FC236}">
-                <a16:creationId xmlns:a16="http://schemas.microsoft.com/office/drawing/2014/main" id="{D371E300-E3A5-3A70-4EEB-22D4F23653D2}"/>
+                <a16:creationId xmlns:a16="http://schemas.microsoft.com/office/drawing/2014/main" id="{C7546802-CF15-F61F-7E17-9F4CA3959113}"/>
               </a:ext>
             </a:extLst>
           </p:cNvPr>
@@ -434,7 +434,7 @@
           <p:cNvPr id="4" name="日期占位符 3">
             <a:extLst>
               <a:ext uri="{FF2B5EF4-FFF2-40B4-BE49-F238E27FC236}">
-                <a16:creationId xmlns:a16="http://schemas.microsoft.com/office/drawing/2014/main" id="{DC561BD9-3A60-99B6-D361-A3036F9596C4}"/>
+                <a16:creationId xmlns:a16="http://schemas.microsoft.com/office/drawing/2014/main" id="{58796B84-9369-6770-8FE1-027FA0D53F89}"/>
               </a:ext>
             </a:extLst>
           </p:cNvPr>
@@ -450,7 +450,7 @@
           <a:bodyPr/>
           <a:lstStyle/>
           <a:p>
-            <a:fld id="{5005193E-BFA3-4487-AC99-D70062B0917B}" type="datetimeFigureOut">
+            <a:fld id="{95BEDFCA-9F12-4D22-8110-FCEF89AA90A7}" type="datetimeFigureOut">
               <a:rPr lang="zh-CN" altLang="en-US" smtClean="0"/>
               <a:t>2024/3/10</a:t>
             </a:fld>
@@ -463,7 +463,7 @@
           <p:cNvPr id="5" name="页脚占位符 4">
             <a:extLst>
               <a:ext uri="{FF2B5EF4-FFF2-40B4-BE49-F238E27FC236}">
-                <a16:creationId xmlns:a16="http://schemas.microsoft.com/office/drawing/2014/main" id="{AD67F351-199D-80F9-443B-483DFD28C237}"/>
+                <a16:creationId xmlns:a16="http://schemas.microsoft.com/office/drawing/2014/main" id="{B326955C-602E-5399-FE8C-C126BE2E1D80}"/>
               </a:ext>
             </a:extLst>
           </p:cNvPr>
@@ -488,7 +488,7 @@
           <p:cNvPr id="6" name="灯片编号占位符 5">
             <a:extLst>
               <a:ext uri="{FF2B5EF4-FFF2-40B4-BE49-F238E27FC236}">
-                <a16:creationId xmlns:a16="http://schemas.microsoft.com/office/drawing/2014/main" id="{BABBF659-57AD-39E3-105D-A75567494F52}"/>
+                <a16:creationId xmlns:a16="http://schemas.microsoft.com/office/drawing/2014/main" id="{B7B806F5-D585-878F-C9CF-16E7769E7975}"/>
               </a:ext>
             </a:extLst>
           </p:cNvPr>
@@ -504,7 +504,7 @@
           <a:bodyPr/>
           <a:lstStyle/>
           <a:p>
-            <a:fld id="{BF308DAD-0590-4A8B-A08A-3BE40F29841B}" type="slidenum">
+            <a:fld id="{01940836-0103-4AC5-AB0A-23044BD0C441}" type="slidenum">
               <a:rPr lang="zh-CN" altLang="en-US" smtClean="0"/>
               <a:t>‹#›</a:t>
             </a:fld>
@@ -515,7 +515,7 @@
     </p:spTree>
     <p:extLst>
       <p:ext uri="{BB962C8B-B14F-4D97-AF65-F5344CB8AC3E}">
-        <p14:creationId xmlns:p14="http://schemas.microsoft.com/office/powerpoint/2010/main" val="3155253236"/>
+        <p14:creationId xmlns:p14="http://schemas.microsoft.com/office/powerpoint/2010/main" val="168508844"/>
       </p:ext>
     </p:extLst>
   </p:cSld>
@@ -547,7 +547,7 @@
           <p:cNvPr id="2" name="竖排标题 1">
             <a:extLst>
               <a:ext uri="{FF2B5EF4-FFF2-40B4-BE49-F238E27FC236}">
-                <a16:creationId xmlns:a16="http://schemas.microsoft.com/office/drawing/2014/main" id="{CB2353B4-4BA5-8282-F477-C8BB31527A03}"/>
+                <a16:creationId xmlns:a16="http://schemas.microsoft.com/office/drawing/2014/main" id="{972385C2-8CDF-F2AF-1006-C1AF4889BD22}"/>
               </a:ext>
             </a:extLst>
           </p:cNvPr>
@@ -580,7 +580,7 @@
           <p:cNvPr id="3" name="竖排文字占位符 2">
             <a:extLst>
               <a:ext uri="{FF2B5EF4-FFF2-40B4-BE49-F238E27FC236}">
-                <a16:creationId xmlns:a16="http://schemas.microsoft.com/office/drawing/2014/main" id="{7500B2B8-8006-1E77-AF5E-551AC9744331}"/>
+                <a16:creationId xmlns:a16="http://schemas.microsoft.com/office/drawing/2014/main" id="{A35C1C0B-A69A-9216-4C47-EF8CFA0A7976}"/>
               </a:ext>
             </a:extLst>
           </p:cNvPr>
@@ -642,7 +642,7 @@
           <p:cNvPr id="4" name="日期占位符 3">
             <a:extLst>
               <a:ext uri="{FF2B5EF4-FFF2-40B4-BE49-F238E27FC236}">
-                <a16:creationId xmlns:a16="http://schemas.microsoft.com/office/drawing/2014/main" id="{9C9C042B-39FC-A7CA-3E2C-ECBCDF8AF18D}"/>
+                <a16:creationId xmlns:a16="http://schemas.microsoft.com/office/drawing/2014/main" id="{7529FFF2-FF14-7ED0-6008-D6136CA2FB23}"/>
               </a:ext>
             </a:extLst>
           </p:cNvPr>
@@ -658,7 +658,7 @@
           <a:bodyPr/>
           <a:lstStyle/>
           <a:p>
-            <a:fld id="{5005193E-BFA3-4487-AC99-D70062B0917B}" type="datetimeFigureOut">
+            <a:fld id="{95BEDFCA-9F12-4D22-8110-FCEF89AA90A7}" type="datetimeFigureOut">
               <a:rPr lang="zh-CN" altLang="en-US" smtClean="0"/>
               <a:t>2024/3/10</a:t>
             </a:fld>
@@ -671,7 +671,7 @@
           <p:cNvPr id="5" name="页脚占位符 4">
             <a:extLst>
               <a:ext uri="{FF2B5EF4-FFF2-40B4-BE49-F238E27FC236}">
-                <a16:creationId xmlns:a16="http://schemas.microsoft.com/office/drawing/2014/main" id="{F80F1D09-20EA-D8F7-3B06-19752C205CBA}"/>
+                <a16:creationId xmlns:a16="http://schemas.microsoft.com/office/drawing/2014/main" id="{FACB31E8-5CCB-6096-4082-2F9E7823F62D}"/>
               </a:ext>
             </a:extLst>
           </p:cNvPr>
@@ -696,7 +696,7 @@
           <p:cNvPr id="6" name="灯片编号占位符 5">
             <a:extLst>
               <a:ext uri="{FF2B5EF4-FFF2-40B4-BE49-F238E27FC236}">
-                <a16:creationId xmlns:a16="http://schemas.microsoft.com/office/drawing/2014/main" id="{91CF8B43-C991-4ABF-457E-41930EB1746E}"/>
+                <a16:creationId xmlns:a16="http://schemas.microsoft.com/office/drawing/2014/main" id="{13F5A8AD-47A6-EFD2-2CC2-177F92B3E7C3}"/>
               </a:ext>
             </a:extLst>
           </p:cNvPr>
@@ -712,7 +712,7 @@
           <a:bodyPr/>
           <a:lstStyle/>
           <a:p>
-            <a:fld id="{BF308DAD-0590-4A8B-A08A-3BE40F29841B}" type="slidenum">
+            <a:fld id="{01940836-0103-4AC5-AB0A-23044BD0C441}" type="slidenum">
               <a:rPr lang="zh-CN" altLang="en-US" smtClean="0"/>
               <a:t>‹#›</a:t>
             </a:fld>
@@ -723,7 +723,7 @@
     </p:spTree>
     <p:extLst>
       <p:ext uri="{BB962C8B-B14F-4D97-AF65-F5344CB8AC3E}">
-        <p14:creationId xmlns:p14="http://schemas.microsoft.com/office/powerpoint/2010/main" val="320334275"/>
+        <p14:creationId xmlns:p14="http://schemas.microsoft.com/office/powerpoint/2010/main" val="1036131073"/>
       </p:ext>
     </p:extLst>
   </p:cSld>
@@ -755,7 +755,7 @@
           <p:cNvPr id="2" name="标题 1">
             <a:extLst>
               <a:ext uri="{FF2B5EF4-FFF2-40B4-BE49-F238E27FC236}">
-                <a16:creationId xmlns:a16="http://schemas.microsoft.com/office/drawing/2014/main" id="{5F5E949B-FC25-1737-1AD8-BA86165B9505}"/>
+                <a16:creationId xmlns:a16="http://schemas.microsoft.com/office/drawing/2014/main" id="{7616290A-109B-077C-93F8-F2EC136B89D6}"/>
               </a:ext>
             </a:extLst>
           </p:cNvPr>
@@ -783,7 +783,7 @@
           <p:cNvPr id="3" name="内容占位符 2">
             <a:extLst>
               <a:ext uri="{FF2B5EF4-FFF2-40B4-BE49-F238E27FC236}">
-                <a16:creationId xmlns:a16="http://schemas.microsoft.com/office/drawing/2014/main" id="{07693D94-5B6B-EBEC-C10E-60A8730BA63B}"/>
+                <a16:creationId xmlns:a16="http://schemas.microsoft.com/office/drawing/2014/main" id="{6D9A530C-A79E-B924-D4DE-5F8889640E8F}"/>
               </a:ext>
             </a:extLst>
           </p:cNvPr>
@@ -840,7 +840,7 @@
           <p:cNvPr id="4" name="日期占位符 3">
             <a:extLst>
               <a:ext uri="{FF2B5EF4-FFF2-40B4-BE49-F238E27FC236}">
-                <a16:creationId xmlns:a16="http://schemas.microsoft.com/office/drawing/2014/main" id="{85D5638B-B06F-8987-B8C3-471DA60822F1}"/>
+                <a16:creationId xmlns:a16="http://schemas.microsoft.com/office/drawing/2014/main" id="{A35F74A1-A6C3-41F5-D512-571FFDA78004}"/>
               </a:ext>
             </a:extLst>
           </p:cNvPr>
@@ -856,7 +856,7 @@
           <a:bodyPr/>
           <a:lstStyle/>
           <a:p>
-            <a:fld id="{5005193E-BFA3-4487-AC99-D70062B0917B}" type="datetimeFigureOut">
+            <a:fld id="{95BEDFCA-9F12-4D22-8110-FCEF89AA90A7}" type="datetimeFigureOut">
               <a:rPr lang="zh-CN" altLang="en-US" smtClean="0"/>
               <a:t>2024/3/10</a:t>
             </a:fld>
@@ -869,7 +869,7 @@
           <p:cNvPr id="5" name="页脚占位符 4">
             <a:extLst>
               <a:ext uri="{FF2B5EF4-FFF2-40B4-BE49-F238E27FC236}">
-                <a16:creationId xmlns:a16="http://schemas.microsoft.com/office/drawing/2014/main" id="{0BC7A1CF-B5A4-213B-7AB3-CC7567ABE389}"/>
+                <a16:creationId xmlns:a16="http://schemas.microsoft.com/office/drawing/2014/main" id="{5A802726-9F6F-91B0-EB6A-4FC4383EF99C}"/>
               </a:ext>
             </a:extLst>
           </p:cNvPr>
@@ -894,7 +894,7 @@
           <p:cNvPr id="6" name="灯片编号占位符 5">
             <a:extLst>
               <a:ext uri="{FF2B5EF4-FFF2-40B4-BE49-F238E27FC236}">
-                <a16:creationId xmlns:a16="http://schemas.microsoft.com/office/drawing/2014/main" id="{CA193E5F-BBBD-0B6A-FE91-ADFACD13383C}"/>
+                <a16:creationId xmlns:a16="http://schemas.microsoft.com/office/drawing/2014/main" id="{846CCCD0-FD70-D016-93B1-5F6CD832B710}"/>
               </a:ext>
             </a:extLst>
           </p:cNvPr>
@@ -910,7 +910,7 @@
           <a:bodyPr/>
           <a:lstStyle/>
           <a:p>
-            <a:fld id="{BF308DAD-0590-4A8B-A08A-3BE40F29841B}" type="slidenum">
+            <a:fld id="{01940836-0103-4AC5-AB0A-23044BD0C441}" type="slidenum">
               <a:rPr lang="zh-CN" altLang="en-US" smtClean="0"/>
               <a:t>‹#›</a:t>
             </a:fld>
@@ -921,7 +921,7 @@
     </p:spTree>
     <p:extLst>
       <p:ext uri="{BB962C8B-B14F-4D97-AF65-F5344CB8AC3E}">
-        <p14:creationId xmlns:p14="http://schemas.microsoft.com/office/powerpoint/2010/main" val="490461413"/>
+        <p14:creationId xmlns:p14="http://schemas.microsoft.com/office/powerpoint/2010/main" val="2387973169"/>
       </p:ext>
     </p:extLst>
   </p:cSld>
@@ -953,7 +953,7 @@
           <p:cNvPr id="2" name="标题 1">
             <a:extLst>
               <a:ext uri="{FF2B5EF4-FFF2-40B4-BE49-F238E27FC236}">
-                <a16:creationId xmlns:a16="http://schemas.microsoft.com/office/drawing/2014/main" id="{A4CDFF3D-B82C-58D2-3E97-2304E06E7B5F}"/>
+                <a16:creationId xmlns:a16="http://schemas.microsoft.com/office/drawing/2014/main" id="{4209586A-4A78-BF86-6199-73B5533C7E02}"/>
               </a:ext>
             </a:extLst>
           </p:cNvPr>
@@ -990,7 +990,7 @@
           <p:cNvPr id="3" name="文本占位符 2">
             <a:extLst>
               <a:ext uri="{FF2B5EF4-FFF2-40B4-BE49-F238E27FC236}">
-                <a16:creationId xmlns:a16="http://schemas.microsoft.com/office/drawing/2014/main" id="{32470278-880E-6235-275F-AA4849793BAC}"/>
+                <a16:creationId xmlns:a16="http://schemas.microsoft.com/office/drawing/2014/main" id="{5EF99D91-9C0A-A1C9-930E-7B08064BC0AD}"/>
               </a:ext>
             </a:extLst>
           </p:cNvPr>
@@ -1115,7 +1115,7 @@
           <p:cNvPr id="4" name="日期占位符 3">
             <a:extLst>
               <a:ext uri="{FF2B5EF4-FFF2-40B4-BE49-F238E27FC236}">
-                <a16:creationId xmlns:a16="http://schemas.microsoft.com/office/drawing/2014/main" id="{5E3F5341-B64F-359A-0A86-67E91F71D47C}"/>
+                <a16:creationId xmlns:a16="http://schemas.microsoft.com/office/drawing/2014/main" id="{4443DB72-6B09-2045-3305-7EDB28A38FD9}"/>
               </a:ext>
             </a:extLst>
           </p:cNvPr>
@@ -1131,7 +1131,7 @@
           <a:bodyPr/>
           <a:lstStyle/>
           <a:p>
-            <a:fld id="{5005193E-BFA3-4487-AC99-D70062B0917B}" type="datetimeFigureOut">
+            <a:fld id="{95BEDFCA-9F12-4D22-8110-FCEF89AA90A7}" type="datetimeFigureOut">
               <a:rPr lang="zh-CN" altLang="en-US" smtClean="0"/>
               <a:t>2024/3/10</a:t>
             </a:fld>
@@ -1144,7 +1144,7 @@
           <p:cNvPr id="5" name="页脚占位符 4">
             <a:extLst>
               <a:ext uri="{FF2B5EF4-FFF2-40B4-BE49-F238E27FC236}">
-                <a16:creationId xmlns:a16="http://schemas.microsoft.com/office/drawing/2014/main" id="{B46B5ADF-00F2-F24D-B0F8-15241A398438}"/>
+                <a16:creationId xmlns:a16="http://schemas.microsoft.com/office/drawing/2014/main" id="{D73E9CED-254C-0F6E-CE86-8CA7E14DA21D}"/>
               </a:ext>
             </a:extLst>
           </p:cNvPr>
@@ -1169,7 +1169,7 @@
           <p:cNvPr id="6" name="灯片编号占位符 5">
             <a:extLst>
               <a:ext uri="{FF2B5EF4-FFF2-40B4-BE49-F238E27FC236}">
-                <a16:creationId xmlns:a16="http://schemas.microsoft.com/office/drawing/2014/main" id="{091F051F-0C91-07D5-E9C3-8C0333AA462E}"/>
+                <a16:creationId xmlns:a16="http://schemas.microsoft.com/office/drawing/2014/main" id="{8B406E29-3060-3856-FE7D-198DFBA9674A}"/>
               </a:ext>
             </a:extLst>
           </p:cNvPr>
@@ -1185,7 +1185,7 @@
           <a:bodyPr/>
           <a:lstStyle/>
           <a:p>
-            <a:fld id="{BF308DAD-0590-4A8B-A08A-3BE40F29841B}" type="slidenum">
+            <a:fld id="{01940836-0103-4AC5-AB0A-23044BD0C441}" type="slidenum">
               <a:rPr lang="zh-CN" altLang="en-US" smtClean="0"/>
               <a:t>‹#›</a:t>
             </a:fld>
@@ -1196,7 +1196,7 @@
     </p:spTree>
     <p:extLst>
       <p:ext uri="{BB962C8B-B14F-4D97-AF65-F5344CB8AC3E}">
-        <p14:creationId xmlns:p14="http://schemas.microsoft.com/office/powerpoint/2010/main" val="3629210457"/>
+        <p14:creationId xmlns:p14="http://schemas.microsoft.com/office/powerpoint/2010/main" val="988293940"/>
       </p:ext>
     </p:extLst>
   </p:cSld>
@@ -1228,7 +1228,7 @@
           <p:cNvPr id="2" name="标题 1">
             <a:extLst>
               <a:ext uri="{FF2B5EF4-FFF2-40B4-BE49-F238E27FC236}">
-                <a16:creationId xmlns:a16="http://schemas.microsoft.com/office/drawing/2014/main" id="{7BAF33FD-2F33-99E4-E1E8-EB15A7142E65}"/>
+                <a16:creationId xmlns:a16="http://schemas.microsoft.com/office/drawing/2014/main" id="{1D78A64A-2D21-E22B-F9EA-069E9D881B40}"/>
               </a:ext>
             </a:extLst>
           </p:cNvPr>
@@ -1256,7 +1256,7 @@
           <p:cNvPr id="3" name="内容占位符 2">
             <a:extLst>
               <a:ext uri="{FF2B5EF4-FFF2-40B4-BE49-F238E27FC236}">
-                <a16:creationId xmlns:a16="http://schemas.microsoft.com/office/drawing/2014/main" id="{4AB32AD0-8307-1326-34DF-74E1EBB9721A}"/>
+                <a16:creationId xmlns:a16="http://schemas.microsoft.com/office/drawing/2014/main" id="{CB6225D7-6CBA-5AAD-BB70-B0112FB06AAF}"/>
               </a:ext>
             </a:extLst>
           </p:cNvPr>
@@ -1318,7 +1318,7 @@
           <p:cNvPr id="4" name="内容占位符 3">
             <a:extLst>
               <a:ext uri="{FF2B5EF4-FFF2-40B4-BE49-F238E27FC236}">
-                <a16:creationId xmlns:a16="http://schemas.microsoft.com/office/drawing/2014/main" id="{CC1E44C4-CB17-45A6-5D01-5446C6580C24}"/>
+                <a16:creationId xmlns:a16="http://schemas.microsoft.com/office/drawing/2014/main" id="{A1CB2E51-2FE2-ED90-14AD-95EA6C4F7542}"/>
               </a:ext>
             </a:extLst>
           </p:cNvPr>
@@ -1380,7 +1380,7 @@
           <p:cNvPr id="5" name="日期占位符 4">
             <a:extLst>
               <a:ext uri="{FF2B5EF4-FFF2-40B4-BE49-F238E27FC236}">
-                <a16:creationId xmlns:a16="http://schemas.microsoft.com/office/drawing/2014/main" id="{959084D9-2778-1ED5-98D5-81C861F25138}"/>
+                <a16:creationId xmlns:a16="http://schemas.microsoft.com/office/drawing/2014/main" id="{99BA4645-1B6C-E143-A12B-691C67BAE9CA}"/>
               </a:ext>
             </a:extLst>
           </p:cNvPr>
@@ -1396,7 +1396,7 @@
           <a:bodyPr/>
           <a:lstStyle/>
           <a:p>
-            <a:fld id="{5005193E-BFA3-4487-AC99-D70062B0917B}" type="datetimeFigureOut">
+            <a:fld id="{95BEDFCA-9F12-4D22-8110-FCEF89AA90A7}" type="datetimeFigureOut">
               <a:rPr lang="zh-CN" altLang="en-US" smtClean="0"/>
               <a:t>2024/3/10</a:t>
             </a:fld>
@@ -1409,7 +1409,7 @@
           <p:cNvPr id="6" name="页脚占位符 5">
             <a:extLst>
               <a:ext uri="{FF2B5EF4-FFF2-40B4-BE49-F238E27FC236}">
-                <a16:creationId xmlns:a16="http://schemas.microsoft.com/office/drawing/2014/main" id="{A0581846-6AA2-6686-B03F-1DD0FD0D1A81}"/>
+                <a16:creationId xmlns:a16="http://schemas.microsoft.com/office/drawing/2014/main" id="{EFD557B5-77C1-DBD7-55DB-54151F674800}"/>
               </a:ext>
             </a:extLst>
           </p:cNvPr>
@@ -1434,7 +1434,7 @@
           <p:cNvPr id="7" name="灯片编号占位符 6">
             <a:extLst>
               <a:ext uri="{FF2B5EF4-FFF2-40B4-BE49-F238E27FC236}">
-                <a16:creationId xmlns:a16="http://schemas.microsoft.com/office/drawing/2014/main" id="{51169E54-3E1D-9FF6-00CF-D8819F1E2537}"/>
+                <a16:creationId xmlns:a16="http://schemas.microsoft.com/office/drawing/2014/main" id="{DE70ECB4-798C-613B-85C9-2704A1F4EDD2}"/>
               </a:ext>
             </a:extLst>
           </p:cNvPr>
@@ -1450,7 +1450,7 @@
           <a:bodyPr/>
           <a:lstStyle/>
           <a:p>
-            <a:fld id="{BF308DAD-0590-4A8B-A08A-3BE40F29841B}" type="slidenum">
+            <a:fld id="{01940836-0103-4AC5-AB0A-23044BD0C441}" type="slidenum">
               <a:rPr lang="zh-CN" altLang="en-US" smtClean="0"/>
               <a:t>‹#›</a:t>
             </a:fld>
@@ -1461,7 +1461,7 @@
     </p:spTree>
     <p:extLst>
       <p:ext uri="{BB962C8B-B14F-4D97-AF65-F5344CB8AC3E}">
-        <p14:creationId xmlns:p14="http://schemas.microsoft.com/office/powerpoint/2010/main" val="2340007123"/>
+        <p14:creationId xmlns:p14="http://schemas.microsoft.com/office/powerpoint/2010/main" val="4056279949"/>
       </p:ext>
     </p:extLst>
   </p:cSld>
@@ -1493,7 +1493,7 @@
           <p:cNvPr id="2" name="标题 1">
             <a:extLst>
               <a:ext uri="{FF2B5EF4-FFF2-40B4-BE49-F238E27FC236}">
-                <a16:creationId xmlns:a16="http://schemas.microsoft.com/office/drawing/2014/main" id="{B63F5DD4-B959-C081-5930-4E40640F43A7}"/>
+                <a16:creationId xmlns:a16="http://schemas.microsoft.com/office/drawing/2014/main" id="{06E63AAF-425C-3F17-EFA2-3466068E1D74}"/>
               </a:ext>
             </a:extLst>
           </p:cNvPr>
@@ -1526,7 +1526,7 @@
           <p:cNvPr id="3" name="文本占位符 2">
             <a:extLst>
               <a:ext uri="{FF2B5EF4-FFF2-40B4-BE49-F238E27FC236}">
-                <a16:creationId xmlns:a16="http://schemas.microsoft.com/office/drawing/2014/main" id="{F67B2190-EDC5-36F6-B5E2-7CCE4A6A322D}"/>
+                <a16:creationId xmlns:a16="http://schemas.microsoft.com/office/drawing/2014/main" id="{D4479AF2-ACDF-5D9E-7ABE-761C584DD703}"/>
               </a:ext>
             </a:extLst>
           </p:cNvPr>
@@ -1597,7 +1597,7 @@
           <p:cNvPr id="4" name="内容占位符 3">
             <a:extLst>
               <a:ext uri="{FF2B5EF4-FFF2-40B4-BE49-F238E27FC236}">
-                <a16:creationId xmlns:a16="http://schemas.microsoft.com/office/drawing/2014/main" id="{9C26A522-FDC9-EAE3-9FF6-99B93771DD7F}"/>
+                <a16:creationId xmlns:a16="http://schemas.microsoft.com/office/drawing/2014/main" id="{F10B00F7-9E10-4E5E-8080-105E96B020DB}"/>
               </a:ext>
             </a:extLst>
           </p:cNvPr>
@@ -1659,7 +1659,7 @@
           <p:cNvPr id="5" name="文本占位符 4">
             <a:extLst>
               <a:ext uri="{FF2B5EF4-FFF2-40B4-BE49-F238E27FC236}">
-                <a16:creationId xmlns:a16="http://schemas.microsoft.com/office/drawing/2014/main" id="{9E4D62B4-3F67-A05D-FF37-89DBC5913555}"/>
+                <a16:creationId xmlns:a16="http://schemas.microsoft.com/office/drawing/2014/main" id="{0584704C-77F8-BDDE-6293-C4CBF681170E}"/>
               </a:ext>
             </a:extLst>
           </p:cNvPr>
@@ -1730,7 +1730,7 @@
           <p:cNvPr id="6" name="内容占位符 5">
             <a:extLst>
               <a:ext uri="{FF2B5EF4-FFF2-40B4-BE49-F238E27FC236}">
-                <a16:creationId xmlns:a16="http://schemas.microsoft.com/office/drawing/2014/main" id="{AC0AD552-9120-F91E-45D5-C5C9A0A89262}"/>
+                <a16:creationId xmlns:a16="http://schemas.microsoft.com/office/drawing/2014/main" id="{131F7FE8-ACA4-E054-E18B-959E5C21ED47}"/>
               </a:ext>
             </a:extLst>
           </p:cNvPr>
@@ -1792,7 +1792,7 @@
           <p:cNvPr id="7" name="日期占位符 6">
             <a:extLst>
               <a:ext uri="{FF2B5EF4-FFF2-40B4-BE49-F238E27FC236}">
-                <a16:creationId xmlns:a16="http://schemas.microsoft.com/office/drawing/2014/main" id="{92F8D136-24BA-3876-0669-671BCE0D60C4}"/>
+                <a16:creationId xmlns:a16="http://schemas.microsoft.com/office/drawing/2014/main" id="{446C6690-5634-71E0-EE16-A971F8CEB18E}"/>
               </a:ext>
             </a:extLst>
           </p:cNvPr>
@@ -1808,7 +1808,7 @@
           <a:bodyPr/>
           <a:lstStyle/>
           <a:p>
-            <a:fld id="{5005193E-BFA3-4487-AC99-D70062B0917B}" type="datetimeFigureOut">
+            <a:fld id="{95BEDFCA-9F12-4D22-8110-FCEF89AA90A7}" type="datetimeFigureOut">
               <a:rPr lang="zh-CN" altLang="en-US" smtClean="0"/>
               <a:t>2024/3/10</a:t>
             </a:fld>
@@ -1821,7 +1821,7 @@
           <p:cNvPr id="8" name="页脚占位符 7">
             <a:extLst>
               <a:ext uri="{FF2B5EF4-FFF2-40B4-BE49-F238E27FC236}">
-                <a16:creationId xmlns:a16="http://schemas.microsoft.com/office/drawing/2014/main" id="{68D892D4-E051-F058-8A11-316B95F2E27B}"/>
+                <a16:creationId xmlns:a16="http://schemas.microsoft.com/office/drawing/2014/main" id="{68FB5A1C-33E3-9849-A8E1-5162EEBE5F19}"/>
               </a:ext>
             </a:extLst>
           </p:cNvPr>
@@ -1846,7 +1846,7 @@
           <p:cNvPr id="9" name="灯片编号占位符 8">
             <a:extLst>
               <a:ext uri="{FF2B5EF4-FFF2-40B4-BE49-F238E27FC236}">
-                <a16:creationId xmlns:a16="http://schemas.microsoft.com/office/drawing/2014/main" id="{26F593C5-2986-D2FD-6B0E-A3154C9433DA}"/>
+                <a16:creationId xmlns:a16="http://schemas.microsoft.com/office/drawing/2014/main" id="{C3D7D670-433A-9303-3E2B-C92D793F925D}"/>
               </a:ext>
             </a:extLst>
           </p:cNvPr>
@@ -1862,7 +1862,7 @@
           <a:bodyPr/>
           <a:lstStyle/>
           <a:p>
-            <a:fld id="{BF308DAD-0590-4A8B-A08A-3BE40F29841B}" type="slidenum">
+            <a:fld id="{01940836-0103-4AC5-AB0A-23044BD0C441}" type="slidenum">
               <a:rPr lang="zh-CN" altLang="en-US" smtClean="0"/>
               <a:t>‹#›</a:t>
             </a:fld>
@@ -1873,7 +1873,7 @@
     </p:spTree>
     <p:extLst>
       <p:ext uri="{BB962C8B-B14F-4D97-AF65-F5344CB8AC3E}">
-        <p14:creationId xmlns:p14="http://schemas.microsoft.com/office/powerpoint/2010/main" val="3498763419"/>
+        <p14:creationId xmlns:p14="http://schemas.microsoft.com/office/powerpoint/2010/main" val="3544881645"/>
       </p:ext>
     </p:extLst>
   </p:cSld>
@@ -1905,7 +1905,7 @@
           <p:cNvPr id="2" name="标题 1">
             <a:extLst>
               <a:ext uri="{FF2B5EF4-FFF2-40B4-BE49-F238E27FC236}">
-                <a16:creationId xmlns:a16="http://schemas.microsoft.com/office/drawing/2014/main" id="{DF72B41E-2C24-2F98-575B-64EE9E03E0E3}"/>
+                <a16:creationId xmlns:a16="http://schemas.microsoft.com/office/drawing/2014/main" id="{26F4B9AC-9CD7-A2CF-B5C0-70947652D506}"/>
               </a:ext>
             </a:extLst>
           </p:cNvPr>
@@ -1933,7 +1933,7 @@
           <p:cNvPr id="3" name="日期占位符 2">
             <a:extLst>
               <a:ext uri="{FF2B5EF4-FFF2-40B4-BE49-F238E27FC236}">
-                <a16:creationId xmlns:a16="http://schemas.microsoft.com/office/drawing/2014/main" id="{021F816F-07BB-7B3D-AFA8-1563859CE8C3}"/>
+                <a16:creationId xmlns:a16="http://schemas.microsoft.com/office/drawing/2014/main" id="{E70724CD-F4BC-DDDE-20EC-5A18949C51BF}"/>
               </a:ext>
             </a:extLst>
           </p:cNvPr>
@@ -1949,7 +1949,7 @@
           <a:bodyPr/>
           <a:lstStyle/>
           <a:p>
-            <a:fld id="{5005193E-BFA3-4487-AC99-D70062B0917B}" type="datetimeFigureOut">
+            <a:fld id="{95BEDFCA-9F12-4D22-8110-FCEF89AA90A7}" type="datetimeFigureOut">
               <a:rPr lang="zh-CN" altLang="en-US" smtClean="0"/>
               <a:t>2024/3/10</a:t>
             </a:fld>
@@ -1962,7 +1962,7 @@
           <p:cNvPr id="4" name="页脚占位符 3">
             <a:extLst>
               <a:ext uri="{FF2B5EF4-FFF2-40B4-BE49-F238E27FC236}">
-                <a16:creationId xmlns:a16="http://schemas.microsoft.com/office/drawing/2014/main" id="{80C51F45-612E-757F-4A3D-9DC94F0F1C97}"/>
+                <a16:creationId xmlns:a16="http://schemas.microsoft.com/office/drawing/2014/main" id="{D0C8A3A2-717D-6DCB-E4C0-F98DE9946AB4}"/>
               </a:ext>
             </a:extLst>
           </p:cNvPr>
@@ -1987,7 +1987,7 @@
           <p:cNvPr id="5" name="灯片编号占位符 4">
             <a:extLst>
               <a:ext uri="{FF2B5EF4-FFF2-40B4-BE49-F238E27FC236}">
-                <a16:creationId xmlns:a16="http://schemas.microsoft.com/office/drawing/2014/main" id="{B74A2587-CF9E-0AB0-7364-2DCD514D41A3}"/>
+                <a16:creationId xmlns:a16="http://schemas.microsoft.com/office/drawing/2014/main" id="{9C836EE4-F0C0-E901-5185-012D4607E9BF}"/>
               </a:ext>
             </a:extLst>
           </p:cNvPr>
@@ -2003,7 +2003,7 @@
           <a:bodyPr/>
           <a:lstStyle/>
           <a:p>
-            <a:fld id="{BF308DAD-0590-4A8B-A08A-3BE40F29841B}" type="slidenum">
+            <a:fld id="{01940836-0103-4AC5-AB0A-23044BD0C441}" type="slidenum">
               <a:rPr lang="zh-CN" altLang="en-US" smtClean="0"/>
               <a:t>‹#›</a:t>
             </a:fld>
@@ -2014,7 +2014,7 @@
     </p:spTree>
     <p:extLst>
       <p:ext uri="{BB962C8B-B14F-4D97-AF65-F5344CB8AC3E}">
-        <p14:creationId xmlns:p14="http://schemas.microsoft.com/office/powerpoint/2010/main" val="840508548"/>
+        <p14:creationId xmlns:p14="http://schemas.microsoft.com/office/powerpoint/2010/main" val="1485967910"/>
       </p:ext>
     </p:extLst>
   </p:cSld>
@@ -2046,7 +2046,7 @@
           <p:cNvPr id="2" name="日期占位符 1">
             <a:extLst>
               <a:ext uri="{FF2B5EF4-FFF2-40B4-BE49-F238E27FC236}">
-                <a16:creationId xmlns:a16="http://schemas.microsoft.com/office/drawing/2014/main" id="{51D1A616-855A-4726-616A-DB02529E9988}"/>
+                <a16:creationId xmlns:a16="http://schemas.microsoft.com/office/drawing/2014/main" id="{5008C5C6-3A40-EE74-34C3-51834BFF58F7}"/>
               </a:ext>
             </a:extLst>
           </p:cNvPr>
@@ -2062,7 +2062,7 @@
           <a:bodyPr/>
           <a:lstStyle/>
           <a:p>
-            <a:fld id="{5005193E-BFA3-4487-AC99-D70062B0917B}" type="datetimeFigureOut">
+            <a:fld id="{95BEDFCA-9F12-4D22-8110-FCEF89AA90A7}" type="datetimeFigureOut">
               <a:rPr lang="zh-CN" altLang="en-US" smtClean="0"/>
               <a:t>2024/3/10</a:t>
             </a:fld>
@@ -2075,7 +2075,7 @@
           <p:cNvPr id="3" name="页脚占位符 2">
             <a:extLst>
               <a:ext uri="{FF2B5EF4-FFF2-40B4-BE49-F238E27FC236}">
-                <a16:creationId xmlns:a16="http://schemas.microsoft.com/office/drawing/2014/main" id="{3ED01966-78A6-492A-6DA2-CEEDBA17E5D0}"/>
+                <a16:creationId xmlns:a16="http://schemas.microsoft.com/office/drawing/2014/main" id="{23F7F964-652E-0424-DFE0-D9687408AD7A}"/>
               </a:ext>
             </a:extLst>
           </p:cNvPr>
@@ -2100,7 +2100,7 @@
           <p:cNvPr id="4" name="灯片编号占位符 3">
             <a:extLst>
               <a:ext uri="{FF2B5EF4-FFF2-40B4-BE49-F238E27FC236}">
-                <a16:creationId xmlns:a16="http://schemas.microsoft.com/office/drawing/2014/main" id="{9CEFB3A2-9458-0743-457F-E9D493C50CA4}"/>
+                <a16:creationId xmlns:a16="http://schemas.microsoft.com/office/drawing/2014/main" id="{8BE607F5-2978-0909-E1CE-8C89D2F73FD2}"/>
               </a:ext>
             </a:extLst>
           </p:cNvPr>
@@ -2116,7 +2116,7 @@
           <a:bodyPr/>
           <a:lstStyle/>
           <a:p>
-            <a:fld id="{BF308DAD-0590-4A8B-A08A-3BE40F29841B}" type="slidenum">
+            <a:fld id="{01940836-0103-4AC5-AB0A-23044BD0C441}" type="slidenum">
               <a:rPr lang="zh-CN" altLang="en-US" smtClean="0"/>
               <a:t>‹#›</a:t>
             </a:fld>
@@ -2127,7 +2127,7 @@
     </p:spTree>
     <p:extLst>
       <p:ext uri="{BB962C8B-B14F-4D97-AF65-F5344CB8AC3E}">
-        <p14:creationId xmlns:p14="http://schemas.microsoft.com/office/powerpoint/2010/main" val="2812944233"/>
+        <p14:creationId xmlns:p14="http://schemas.microsoft.com/office/powerpoint/2010/main" val="2386624005"/>
       </p:ext>
     </p:extLst>
   </p:cSld>
@@ -2159,7 +2159,7 @@
           <p:cNvPr id="2" name="标题 1">
             <a:extLst>
               <a:ext uri="{FF2B5EF4-FFF2-40B4-BE49-F238E27FC236}">
-                <a16:creationId xmlns:a16="http://schemas.microsoft.com/office/drawing/2014/main" id="{8F3B83DA-B002-C74A-0E9C-A5865A2F01CC}"/>
+                <a16:creationId xmlns:a16="http://schemas.microsoft.com/office/drawing/2014/main" id="{2BC6DC05-F5B6-1009-4AF6-C01C86E56C0B}"/>
               </a:ext>
             </a:extLst>
           </p:cNvPr>
@@ -2196,7 +2196,7 @@
           <p:cNvPr id="3" name="内容占位符 2">
             <a:extLst>
               <a:ext uri="{FF2B5EF4-FFF2-40B4-BE49-F238E27FC236}">
-                <a16:creationId xmlns:a16="http://schemas.microsoft.com/office/drawing/2014/main" id="{89A4D7B7-6C37-58C4-8C6F-B119FFA83D4E}"/>
+                <a16:creationId xmlns:a16="http://schemas.microsoft.com/office/drawing/2014/main" id="{82C4B238-BFF2-F29C-7855-D2C6E651A638}"/>
               </a:ext>
             </a:extLst>
           </p:cNvPr>
@@ -2286,7 +2286,7 @@
           <p:cNvPr id="4" name="文本占位符 3">
             <a:extLst>
               <a:ext uri="{FF2B5EF4-FFF2-40B4-BE49-F238E27FC236}">
-                <a16:creationId xmlns:a16="http://schemas.microsoft.com/office/drawing/2014/main" id="{EDB8C80B-3D98-7670-8F72-ADA73D187FAA}"/>
+                <a16:creationId xmlns:a16="http://schemas.microsoft.com/office/drawing/2014/main" id="{91DC6C59-1862-5EE6-9353-5D9E1024A4CD}"/>
               </a:ext>
             </a:extLst>
           </p:cNvPr>
@@ -2357,7 +2357,7 @@
           <p:cNvPr id="5" name="日期占位符 4">
             <a:extLst>
               <a:ext uri="{FF2B5EF4-FFF2-40B4-BE49-F238E27FC236}">
-                <a16:creationId xmlns:a16="http://schemas.microsoft.com/office/drawing/2014/main" id="{864F8399-BBA9-4D62-6084-68EC4C6791F2}"/>
+                <a16:creationId xmlns:a16="http://schemas.microsoft.com/office/drawing/2014/main" id="{D33A5D05-1847-515D-FB2E-876F1D856978}"/>
               </a:ext>
             </a:extLst>
           </p:cNvPr>
@@ -2373,7 +2373,7 @@
           <a:bodyPr/>
           <a:lstStyle/>
           <a:p>
-            <a:fld id="{5005193E-BFA3-4487-AC99-D70062B0917B}" type="datetimeFigureOut">
+            <a:fld id="{95BEDFCA-9F12-4D22-8110-FCEF89AA90A7}" type="datetimeFigureOut">
               <a:rPr lang="zh-CN" altLang="en-US" smtClean="0"/>
               <a:t>2024/3/10</a:t>
             </a:fld>
@@ -2386,7 +2386,7 @@
           <p:cNvPr id="6" name="页脚占位符 5">
             <a:extLst>
               <a:ext uri="{FF2B5EF4-FFF2-40B4-BE49-F238E27FC236}">
-                <a16:creationId xmlns:a16="http://schemas.microsoft.com/office/drawing/2014/main" id="{F2E666DE-5ED6-0714-E93D-575C051793DF}"/>
+                <a16:creationId xmlns:a16="http://schemas.microsoft.com/office/drawing/2014/main" id="{9116EAB7-09F9-AF05-5B61-091D0C841FF8}"/>
               </a:ext>
             </a:extLst>
           </p:cNvPr>
@@ -2411,7 +2411,7 @@
           <p:cNvPr id="7" name="灯片编号占位符 6">
             <a:extLst>
               <a:ext uri="{FF2B5EF4-FFF2-40B4-BE49-F238E27FC236}">
-                <a16:creationId xmlns:a16="http://schemas.microsoft.com/office/drawing/2014/main" id="{897099E3-F31D-E4DA-8904-E89239F5721B}"/>
+                <a16:creationId xmlns:a16="http://schemas.microsoft.com/office/drawing/2014/main" id="{5CABC25E-9BEF-E6C5-E4F6-4AD30C8662A3}"/>
               </a:ext>
             </a:extLst>
           </p:cNvPr>
@@ -2427,7 +2427,7 @@
           <a:bodyPr/>
           <a:lstStyle/>
           <a:p>
-            <a:fld id="{BF308DAD-0590-4A8B-A08A-3BE40F29841B}" type="slidenum">
+            <a:fld id="{01940836-0103-4AC5-AB0A-23044BD0C441}" type="slidenum">
               <a:rPr lang="zh-CN" altLang="en-US" smtClean="0"/>
               <a:t>‹#›</a:t>
             </a:fld>
@@ -2438,7 +2438,7 @@
     </p:spTree>
     <p:extLst>
       <p:ext uri="{BB962C8B-B14F-4D97-AF65-F5344CB8AC3E}">
-        <p14:creationId xmlns:p14="http://schemas.microsoft.com/office/powerpoint/2010/main" val="2924875756"/>
+        <p14:creationId xmlns:p14="http://schemas.microsoft.com/office/powerpoint/2010/main" val="845581072"/>
       </p:ext>
     </p:extLst>
   </p:cSld>
@@ -2470,7 +2470,7 @@
           <p:cNvPr id="2" name="标题 1">
             <a:extLst>
               <a:ext uri="{FF2B5EF4-FFF2-40B4-BE49-F238E27FC236}">
-                <a16:creationId xmlns:a16="http://schemas.microsoft.com/office/drawing/2014/main" id="{46F1CA83-B983-168B-249F-0C265F1DBD72}"/>
+                <a16:creationId xmlns:a16="http://schemas.microsoft.com/office/drawing/2014/main" id="{E163B6BE-FC75-7614-A849-3E7A7018D34B}"/>
               </a:ext>
             </a:extLst>
           </p:cNvPr>
@@ -2507,7 +2507,7 @@
           <p:cNvPr id="3" name="图片占位符 2">
             <a:extLst>
               <a:ext uri="{FF2B5EF4-FFF2-40B4-BE49-F238E27FC236}">
-                <a16:creationId xmlns:a16="http://schemas.microsoft.com/office/drawing/2014/main" id="{4815F5AB-5EDF-1D79-6D93-F6352CE2EAD7}"/>
+                <a16:creationId xmlns:a16="http://schemas.microsoft.com/office/drawing/2014/main" id="{73C2BD8D-A3E5-3804-1E09-372CBCA9FC06}"/>
               </a:ext>
             </a:extLst>
           </p:cNvPr>
@@ -2574,7 +2574,7 @@
           <p:cNvPr id="4" name="文本占位符 3">
             <a:extLst>
               <a:ext uri="{FF2B5EF4-FFF2-40B4-BE49-F238E27FC236}">
-                <a16:creationId xmlns:a16="http://schemas.microsoft.com/office/drawing/2014/main" id="{940F0A07-CC1F-A426-8473-8765B17E3B16}"/>
+                <a16:creationId xmlns:a16="http://schemas.microsoft.com/office/drawing/2014/main" id="{16DBCFE0-5EFC-ED46-E21F-F10E9ED40DAB}"/>
               </a:ext>
             </a:extLst>
           </p:cNvPr>
@@ -2645,7 +2645,7 @@
           <p:cNvPr id="5" name="日期占位符 4">
             <a:extLst>
               <a:ext uri="{FF2B5EF4-FFF2-40B4-BE49-F238E27FC236}">
-                <a16:creationId xmlns:a16="http://schemas.microsoft.com/office/drawing/2014/main" id="{86C90988-7201-79FB-E32F-ACB19D627932}"/>
+                <a16:creationId xmlns:a16="http://schemas.microsoft.com/office/drawing/2014/main" id="{E41EE89B-8766-7C72-B250-646F3A7B3755}"/>
               </a:ext>
             </a:extLst>
           </p:cNvPr>
@@ -2661,7 +2661,7 @@
           <a:bodyPr/>
           <a:lstStyle/>
           <a:p>
-            <a:fld id="{5005193E-BFA3-4487-AC99-D70062B0917B}" type="datetimeFigureOut">
+            <a:fld id="{95BEDFCA-9F12-4D22-8110-FCEF89AA90A7}" type="datetimeFigureOut">
               <a:rPr lang="zh-CN" altLang="en-US" smtClean="0"/>
               <a:t>2024/3/10</a:t>
             </a:fld>
@@ -2674,7 +2674,7 @@
           <p:cNvPr id="6" name="页脚占位符 5">
             <a:extLst>
               <a:ext uri="{FF2B5EF4-FFF2-40B4-BE49-F238E27FC236}">
-                <a16:creationId xmlns:a16="http://schemas.microsoft.com/office/drawing/2014/main" id="{E9775E79-3759-1C0E-F517-4FBE37D43003}"/>
+                <a16:creationId xmlns:a16="http://schemas.microsoft.com/office/drawing/2014/main" id="{E577CE8B-9D80-A244-8958-297CF42CF459}"/>
               </a:ext>
             </a:extLst>
           </p:cNvPr>
@@ -2699,7 +2699,7 @@
           <p:cNvPr id="7" name="灯片编号占位符 6">
             <a:extLst>
               <a:ext uri="{FF2B5EF4-FFF2-40B4-BE49-F238E27FC236}">
-                <a16:creationId xmlns:a16="http://schemas.microsoft.com/office/drawing/2014/main" id="{9562F8A5-0B4A-FB33-6ACF-6949942B3AEB}"/>
+                <a16:creationId xmlns:a16="http://schemas.microsoft.com/office/drawing/2014/main" id="{C4F41B23-78E6-2717-D5EB-9140BC26204D}"/>
               </a:ext>
             </a:extLst>
           </p:cNvPr>
@@ -2715,7 +2715,7 @@
           <a:bodyPr/>
           <a:lstStyle/>
           <a:p>
-            <a:fld id="{BF308DAD-0590-4A8B-A08A-3BE40F29841B}" type="slidenum">
+            <a:fld id="{01940836-0103-4AC5-AB0A-23044BD0C441}" type="slidenum">
               <a:rPr lang="zh-CN" altLang="en-US" smtClean="0"/>
               <a:t>‹#›</a:t>
             </a:fld>
@@ -2726,7 +2726,7 @@
     </p:spTree>
     <p:extLst>
       <p:ext uri="{BB962C8B-B14F-4D97-AF65-F5344CB8AC3E}">
-        <p14:creationId xmlns:p14="http://schemas.microsoft.com/office/powerpoint/2010/main" val="3174079402"/>
+        <p14:creationId xmlns:p14="http://schemas.microsoft.com/office/powerpoint/2010/main" val="1307065406"/>
       </p:ext>
     </p:extLst>
   </p:cSld>
@@ -2763,7 +2763,7 @@
           <p:cNvPr id="2" name="标题占位符 1">
             <a:extLst>
               <a:ext uri="{FF2B5EF4-FFF2-40B4-BE49-F238E27FC236}">
-                <a16:creationId xmlns:a16="http://schemas.microsoft.com/office/drawing/2014/main" id="{FEFF319F-2444-7C15-08E0-415F6C33B376}"/>
+                <a16:creationId xmlns:a16="http://schemas.microsoft.com/office/drawing/2014/main" id="{50B0EC2B-9D1A-2208-BE97-D0065E6769E2}"/>
               </a:ext>
             </a:extLst>
           </p:cNvPr>
@@ -2801,7 +2801,7 @@
           <p:cNvPr id="3" name="文本占位符 2">
             <a:extLst>
               <a:ext uri="{FF2B5EF4-FFF2-40B4-BE49-F238E27FC236}">
-                <a16:creationId xmlns:a16="http://schemas.microsoft.com/office/drawing/2014/main" id="{04C92F79-6712-6096-133D-BEC3104F9808}"/>
+                <a16:creationId xmlns:a16="http://schemas.microsoft.com/office/drawing/2014/main" id="{5EDC2754-E120-80BE-4AF6-7B42AE64ADFF}"/>
               </a:ext>
             </a:extLst>
           </p:cNvPr>
@@ -2868,7 +2868,7 @@
           <p:cNvPr id="4" name="日期占位符 3">
             <a:extLst>
               <a:ext uri="{FF2B5EF4-FFF2-40B4-BE49-F238E27FC236}">
-                <a16:creationId xmlns:a16="http://schemas.microsoft.com/office/drawing/2014/main" id="{0EF886D0-E7F8-2235-9C81-39026052181F}"/>
+                <a16:creationId xmlns:a16="http://schemas.microsoft.com/office/drawing/2014/main" id="{2D9CD542-74CE-57D0-D69C-2FCF73757689}"/>
               </a:ext>
             </a:extLst>
           </p:cNvPr>
@@ -2902,7 +2902,7 @@
             </a:lvl1pPr>
           </a:lstStyle>
           <a:p>
-            <a:fld id="{5005193E-BFA3-4487-AC99-D70062B0917B}" type="datetimeFigureOut">
+            <a:fld id="{95BEDFCA-9F12-4D22-8110-FCEF89AA90A7}" type="datetimeFigureOut">
               <a:rPr lang="zh-CN" altLang="en-US" smtClean="0"/>
               <a:t>2024/3/10</a:t>
             </a:fld>
@@ -2915,7 +2915,7 @@
           <p:cNvPr id="5" name="页脚占位符 4">
             <a:extLst>
               <a:ext uri="{FF2B5EF4-FFF2-40B4-BE49-F238E27FC236}">
-                <a16:creationId xmlns:a16="http://schemas.microsoft.com/office/drawing/2014/main" id="{878A8281-4B5F-C30C-4378-6155FC600945}"/>
+                <a16:creationId xmlns:a16="http://schemas.microsoft.com/office/drawing/2014/main" id="{1BCCEF69-4F82-C61A-643B-60B0A880386F}"/>
               </a:ext>
             </a:extLst>
           </p:cNvPr>
@@ -2958,7 +2958,7 @@
           <p:cNvPr id="6" name="灯片编号占位符 5">
             <a:extLst>
               <a:ext uri="{FF2B5EF4-FFF2-40B4-BE49-F238E27FC236}">
-                <a16:creationId xmlns:a16="http://schemas.microsoft.com/office/drawing/2014/main" id="{C021FE94-FD8C-75D0-B8FE-3F1DB8307FCE}"/>
+                <a16:creationId xmlns:a16="http://schemas.microsoft.com/office/drawing/2014/main" id="{177F24E3-3E8E-E212-A774-EDE6F4835B0B}"/>
               </a:ext>
             </a:extLst>
           </p:cNvPr>
@@ -2992,7 +2992,7 @@
             </a:lvl1pPr>
           </a:lstStyle>
           <a:p>
-            <a:fld id="{BF308DAD-0590-4A8B-A08A-3BE40F29841B}" type="slidenum">
+            <a:fld id="{01940836-0103-4AC5-AB0A-23044BD0C441}" type="slidenum">
               <a:rPr lang="zh-CN" altLang="en-US" smtClean="0"/>
               <a:t>‹#›</a:t>
             </a:fld>
@@ -3003,7 +3003,7 @@
     </p:spTree>
     <p:extLst>
       <p:ext uri="{BB962C8B-B14F-4D97-AF65-F5344CB8AC3E}">
-        <p14:creationId xmlns:p14="http://schemas.microsoft.com/office/powerpoint/2010/main" val="3891780891"/>
+        <p14:creationId xmlns:p14="http://schemas.microsoft.com/office/powerpoint/2010/main" val="3875644819"/>
       </p:ext>
     </p:extLst>
   </p:cSld>
